--- a/Практика/Презнтация.pptx
+++ b/Практика/Презнтация.pptx
@@ -348,7 +348,7 @@
             <a:fld id="{B61BEF0D-F0BB-DE4B-95CE-6DB70DBA9567}" type="datetimeFigureOut">
               <a:rPr lang="en-US" dirty="0"/>
               <a:pPr/>
-              <a:t>9/7/2023</a:t>
+              <a:t>9/13/2023</a:t>
             </a:fld>
             <a:endParaRPr lang="en-US" dirty="0"/>
           </a:p>
@@ -679,7 +679,7 @@
             <a:fld id="{B61BEF0D-F0BB-DE4B-95CE-6DB70DBA9567}" type="datetimeFigureOut">
               <a:rPr lang="en-US" dirty="0"/>
               <a:pPr/>
-              <a:t>9/7/2023</a:t>
+              <a:t>9/13/2023</a:t>
             </a:fld>
             <a:endParaRPr lang="en-US" dirty="0"/>
           </a:p>
@@ -954,7 +954,7 @@
             <a:fld id="{B61BEF0D-F0BB-DE4B-95CE-6DB70DBA9567}" type="datetimeFigureOut">
               <a:rPr lang="en-US" dirty="0"/>
               <a:pPr/>
-              <a:t>9/7/2023</a:t>
+              <a:t>9/13/2023</a:t>
             </a:fld>
             <a:endParaRPr lang="en-US" dirty="0"/>
           </a:p>
@@ -1519,7 +1519,7 @@
             <a:fld id="{B61BEF0D-F0BB-DE4B-95CE-6DB70DBA9567}" type="datetimeFigureOut">
               <a:rPr lang="en-US" dirty="0"/>
               <a:pPr/>
-              <a:t>9/7/2023</a:t>
+              <a:t>9/13/2023</a:t>
             </a:fld>
             <a:endParaRPr lang="en-US" dirty="0"/>
           </a:p>
@@ -1794,7 +1794,7 @@
             <a:fld id="{B61BEF0D-F0BB-DE4B-95CE-6DB70DBA9567}" type="datetimeFigureOut">
               <a:rPr lang="en-US" dirty="0"/>
               <a:pPr/>
-              <a:t>9/7/2023</a:t>
+              <a:t>9/13/2023</a:t>
             </a:fld>
             <a:endParaRPr lang="en-US" dirty="0"/>
           </a:p>
@@ -2353,7 +2353,7 @@
             <a:fld id="{B61BEF0D-F0BB-DE4B-95CE-6DB70DBA9567}" type="datetimeFigureOut">
               <a:rPr lang="en-US" dirty="0"/>
               <a:pPr/>
-              <a:t>9/7/2023</a:t>
+              <a:t>9/13/2023</a:t>
             </a:fld>
             <a:endParaRPr lang="en-US" dirty="0"/>
           </a:p>
@@ -2677,7 +2677,7 @@
             <a:fld id="{B61BEF0D-F0BB-DE4B-95CE-6DB70DBA9567}" type="datetimeFigureOut">
               <a:rPr lang="en-US" dirty="0"/>
               <a:pPr/>
-              <a:t>9/7/2023</a:t>
+              <a:t>9/13/2023</a:t>
             </a:fld>
             <a:endParaRPr lang="en-US" dirty="0"/>
           </a:p>
@@ -2851,7 +2851,7 @@
             <a:fld id="{B61BEF0D-F0BB-DE4B-95CE-6DB70DBA9567}" type="datetimeFigureOut">
               <a:rPr lang="en-US" dirty="0"/>
               <a:pPr/>
-              <a:t>9/7/2023</a:t>
+              <a:t>9/13/2023</a:t>
             </a:fld>
             <a:endParaRPr lang="en-US" dirty="0"/>
           </a:p>
@@ -3086,7 +3086,7 @@
             <a:fld id="{B61BEF0D-F0BB-DE4B-95CE-6DB70DBA9567}" type="datetimeFigureOut">
               <a:rPr lang="en-US" dirty="0"/>
               <a:pPr/>
-              <a:t>9/7/2023</a:t>
+              <a:t>9/13/2023</a:t>
             </a:fld>
             <a:endParaRPr lang="en-US" dirty="0"/>
           </a:p>
@@ -3283,7 +3283,7 @@
             <a:fld id="{B61BEF0D-F0BB-DE4B-95CE-6DB70DBA9567}" type="datetimeFigureOut">
               <a:rPr lang="en-US" dirty="0"/>
               <a:pPr/>
-              <a:t>9/7/2023</a:t>
+              <a:t>9/13/2023</a:t>
             </a:fld>
             <a:endParaRPr lang="en-US" dirty="0"/>
           </a:p>
@@ -3556,7 +3556,7 @@
             <a:fld id="{B61BEF0D-F0BB-DE4B-95CE-6DB70DBA9567}" type="datetimeFigureOut">
               <a:rPr lang="en-US" dirty="0"/>
               <a:pPr/>
-              <a:t>9/7/2023</a:t>
+              <a:t>9/13/2023</a:t>
             </a:fld>
             <a:endParaRPr lang="en-US" dirty="0"/>
           </a:p>
@@ -3819,7 +3819,7 @@
             <a:fld id="{B61BEF0D-F0BB-DE4B-95CE-6DB70DBA9567}" type="datetimeFigureOut">
               <a:rPr lang="en-US" dirty="0"/>
               <a:pPr/>
-              <a:t>9/7/2023</a:t>
+              <a:t>9/13/2023</a:t>
             </a:fld>
             <a:endParaRPr lang="en-US" dirty="0"/>
           </a:p>
@@ -4190,7 +4190,7 @@
             <a:fld id="{B61BEF0D-F0BB-DE4B-95CE-6DB70DBA9567}" type="datetimeFigureOut">
               <a:rPr lang="en-US" dirty="0"/>
               <a:pPr/>
-              <a:t>9/7/2023</a:t>
+              <a:t>9/13/2023</a:t>
             </a:fld>
             <a:endParaRPr lang="en-US" dirty="0"/>
           </a:p>
@@ -4335,7 +4335,7 @@
             <a:fld id="{B61BEF0D-F0BB-DE4B-95CE-6DB70DBA9567}" type="datetimeFigureOut">
               <a:rPr lang="en-US" dirty="0"/>
               <a:pPr/>
-              <a:t>9/7/2023</a:t>
+              <a:t>9/13/2023</a:t>
             </a:fld>
             <a:endParaRPr lang="en-US" dirty="0"/>
           </a:p>
@@ -4457,7 +4457,7 @@
             <a:fld id="{B61BEF0D-F0BB-DE4B-95CE-6DB70DBA9567}" type="datetimeFigureOut">
               <a:rPr lang="en-US" dirty="0"/>
               <a:pPr/>
-              <a:t>9/7/2023</a:t>
+              <a:t>9/13/2023</a:t>
             </a:fld>
             <a:endParaRPr lang="en-US" dirty="0"/>
           </a:p>
@@ -4739,7 +4739,7 @@
             <a:fld id="{B61BEF0D-F0BB-DE4B-95CE-6DB70DBA9567}" type="datetimeFigureOut">
               <a:rPr lang="en-US" dirty="0"/>
               <a:pPr/>
-              <a:t>9/7/2023</a:t>
+              <a:t>9/13/2023</a:t>
             </a:fld>
             <a:endParaRPr lang="en-US" dirty="0"/>
           </a:p>
@@ -5060,7 +5060,7 @@
             <a:fld id="{B61BEF0D-F0BB-DE4B-95CE-6DB70DBA9567}" type="datetimeFigureOut">
               <a:rPr lang="en-US" dirty="0"/>
               <a:pPr/>
-              <a:t>9/7/2023</a:t>
+              <a:t>9/13/2023</a:t>
             </a:fld>
             <a:endParaRPr lang="en-US" dirty="0"/>
           </a:p>
@@ -5271,7 +5271,7 @@
             <a:fld id="{B61BEF0D-F0BB-DE4B-95CE-6DB70DBA9567}" type="datetimeFigureOut">
               <a:rPr lang="en-US" dirty="0"/>
               <a:pPr/>
-              <a:t>9/7/2023</a:t>
+              <a:t>9/13/2023</a:t>
             </a:fld>
             <a:endParaRPr lang="en-US" dirty="0"/>
           </a:p>
@@ -6095,10 +6095,50 @@
                 <a:ea typeface="Noto Sans Symbols"/>
                 <a:cs typeface="Times New Roman" panose="02020603050405020304" pitchFamily="18" charset="0"/>
               </a:rPr>
-              <a:t>Развернуть сервер на ПК через </a:t>
-            </a:r>
-            <a:r>
-              <a:rPr lang="en-US" dirty="0" err="1">
+              <a:t>Развернуть </a:t>
+            </a:r>
+            <a:r>
+              <a:rPr lang="ru-RU" dirty="0" smtClean="0">
+                <a:latin typeface="Times New Roman" panose="02020603050405020304" pitchFamily="18" charset="0"/>
+                <a:ea typeface="Noto Sans Symbols"/>
+                <a:cs typeface="Times New Roman" panose="02020603050405020304" pitchFamily="18" charset="0"/>
+              </a:rPr>
+              <a:t>контейнер</a:t>
+            </a:r>
+            <a:r>
+              <a:rPr lang="ru-RU" dirty="0" smtClean="0">
+                <a:latin typeface="Times New Roman" panose="02020603050405020304" pitchFamily="18" charset="0"/>
+                <a:ea typeface="Noto Sans Symbols"/>
+                <a:cs typeface="Times New Roman" panose="02020603050405020304" pitchFamily="18" charset="0"/>
+              </a:rPr>
+              <a:t> </a:t>
+            </a:r>
+            <a:r>
+              <a:rPr lang="ru-RU" dirty="0">
+                <a:latin typeface="Times New Roman" panose="02020603050405020304" pitchFamily="18" charset="0"/>
+                <a:ea typeface="Noto Sans Symbols"/>
+                <a:cs typeface="Times New Roman" panose="02020603050405020304" pitchFamily="18" charset="0"/>
+              </a:rPr>
+              <a:t>на ПК </a:t>
+            </a:r>
+            <a:r>
+              <a:rPr lang="ru-RU" dirty="0" smtClean="0">
+                <a:latin typeface="Times New Roman" panose="02020603050405020304" pitchFamily="18" charset="0"/>
+                <a:ea typeface="Noto Sans Symbols"/>
+                <a:cs typeface="Times New Roman" panose="02020603050405020304" pitchFamily="18" charset="0"/>
+              </a:rPr>
+              <a:t>на базе</a:t>
+            </a:r>
+            <a:r>
+              <a:rPr lang="ru-RU" dirty="0" smtClean="0">
+                <a:latin typeface="Times New Roman" panose="02020603050405020304" pitchFamily="18" charset="0"/>
+                <a:ea typeface="Noto Sans Symbols"/>
+                <a:cs typeface="Times New Roman" panose="02020603050405020304" pitchFamily="18" charset="0"/>
+              </a:rPr>
+              <a:t> </a:t>
+            </a:r>
+            <a:r>
+              <a:rPr lang="en-US" dirty="0" err="1" smtClean="0">
                 <a:latin typeface="Times New Roman" panose="02020603050405020304" pitchFamily="18" charset="0"/>
                 <a:ea typeface="Noto Sans Symbols"/>
                 <a:cs typeface="Times New Roman" panose="02020603050405020304" pitchFamily="18" charset="0"/>
@@ -6106,13 +6146,18 @@
               <a:t>odoo</a:t>
             </a:r>
             <a:r>
-              <a:rPr lang="ru-RU" dirty="0">
+              <a:rPr lang="ru-RU" dirty="0" smtClean="0">
                 <a:latin typeface="Times New Roman" panose="02020603050405020304" pitchFamily="18" charset="0"/>
                 <a:ea typeface="Noto Sans Symbols"/>
                 <a:cs typeface="Times New Roman" panose="02020603050405020304" pitchFamily="18" charset="0"/>
               </a:rPr>
               <a:t>;</a:t>
             </a:r>
+            <a:endParaRPr lang="ru-RU" dirty="0">
+              <a:latin typeface="Times New Roman" panose="02020603050405020304" pitchFamily="18" charset="0"/>
+              <a:ea typeface="Noto Sans Symbols"/>
+              <a:cs typeface="Times New Roman" panose="02020603050405020304" pitchFamily="18" charset="0"/>
+            </a:endParaRPr>
           </a:p>
           <a:p>
             <a:pPr marL="342900" lvl="0" indent="-342900" algn="just">
@@ -6315,7 +6360,21 @@
                 <a:latin typeface="Times New Roman" panose="02020603050405020304" pitchFamily="18" charset="0"/>
                 <a:ea typeface="Times New Roman" panose="02020603050405020304" pitchFamily="18" charset="0"/>
               </a:rPr>
-              <a:t>Целью создания системы является ускорение взаимодействия пользователей с продукцией компании и облегчение данного </a:t>
+              <a:t>Целью создания системы является ускорение взаимодействия пользователей с продукцией компании и </a:t>
+            </a:r>
+            <a:r>
+              <a:rPr lang="ru-RU" dirty="0" smtClean="0">
+                <a:latin typeface="Times New Roman" panose="02020603050405020304" pitchFamily="18" charset="0"/>
+                <a:ea typeface="Times New Roman" panose="02020603050405020304" pitchFamily="18" charset="0"/>
+              </a:rPr>
+              <a:t>облегчение </a:t>
+            </a:r>
+            <a:r>
+              <a:rPr lang="ru-RU" dirty="0">
+                <a:latin typeface="Times New Roman" panose="02020603050405020304" pitchFamily="18" charset="0"/>
+                <a:ea typeface="Times New Roman" panose="02020603050405020304" pitchFamily="18" charset="0"/>
+              </a:rPr>
+              <a:t>данного </a:t>
             </a:r>
             <a:r>
               <a:rPr lang="ru-RU" dirty="0" smtClean="0">
@@ -6475,8 +6534,8 @@
         </p:nvSpPr>
         <p:spPr>
           <a:xfrm>
-            <a:off x="691661" y="265837"/>
-            <a:ext cx="10720754" cy="923330"/>
+            <a:off x="594945" y="215982"/>
+            <a:ext cx="10720754" cy="1200329"/>
           </a:xfrm>
           <a:prstGeom prst="rect">
             <a:avLst/>
@@ -6489,7 +6548,7 @@
           <a:lstStyle/>
           <a:p>
             <a:r>
-              <a:rPr lang="ru-RU" dirty="0" err="1"/>
+              <a:rPr lang="ru-RU" sz="3600" b="1" dirty="0" err="1"/>
               <a:t>Docker</a:t>
             </a:r>
             <a:r>
@@ -6515,7 +6574,7 @@
         </p:nvSpPr>
         <p:spPr>
           <a:xfrm>
-            <a:off x="691661" y="1189167"/>
+            <a:off x="594945" y="1416311"/>
             <a:ext cx="4746171" cy="646331"/>
           </a:xfrm>
           <a:prstGeom prst="rect">
@@ -6548,7 +6607,7 @@
         </p:nvSpPr>
         <p:spPr>
           <a:xfrm>
-            <a:off x="691660" y="1895088"/>
+            <a:off x="594945" y="2062642"/>
             <a:ext cx="9815147" cy="3693319"/>
           </a:xfrm>
           <a:prstGeom prst="rect">
